--- a/Reference materials/Advanced JAVA/Servlets/Servlets Session.pptx
+++ b/Reference materials/Advanced JAVA/Servlets/Servlets Session.pptx
@@ -115,7 +115,7 @@
   </p:defaultTextStyle>
   <p:extLst>
     <p:ext uri="{EFAFB233-063F-42B5-8137-9DF3F51BA10A}">
-      <p15:sldGuideLst xmlns:p15="http://schemas.microsoft.com/office/powerpoint/2012/main" xmlns="">
+      <p15:sldGuideLst xmlns:p15="http://schemas.microsoft.com/office/powerpoint/2012/main">
         <p15:guide id="1" orient="horz" pos="2160">
           <p15:clr>
             <a:srgbClr val="A4A3A4"/>
@@ -214,7 +214,7 @@
           <a:p>
             <a:fld id="{CBDFB359-B0C7-4C2A-B5E6-DC0AAC7DC740}" type="datetimeFigureOut">
               <a:rPr lang="en-IN" smtClean="0"/>
-              <a:t>30-10-2017</a:t>
+              <a:t>16-06-2021</a:t>
             </a:fld>
             <a:endParaRPr lang="en-IN"/>
           </a:p>
@@ -278,35 +278,35 @@
           <a:p>
             <a:pPr lvl="0"/>
             <a:r>
-              <a:rPr lang="en-US" smtClean="0"/>
+              <a:rPr lang="en-US"/>
               <a:t>Click to edit Master text styles</a:t>
             </a:r>
           </a:p>
           <a:p>
             <a:pPr lvl="1"/>
             <a:r>
-              <a:rPr lang="en-US" smtClean="0"/>
+              <a:rPr lang="en-US"/>
               <a:t>Second level</a:t>
             </a:r>
           </a:p>
           <a:p>
             <a:pPr lvl="2"/>
             <a:r>
-              <a:rPr lang="en-US" smtClean="0"/>
+              <a:rPr lang="en-US"/>
               <a:t>Third level</a:t>
             </a:r>
           </a:p>
           <a:p>
             <a:pPr lvl="3"/>
             <a:r>
-              <a:rPr lang="en-US" smtClean="0"/>
+              <a:rPr lang="en-US"/>
               <a:t>Fourth level</a:t>
             </a:r>
           </a:p>
           <a:p>
             <a:pPr lvl="4"/>
             <a:r>
-              <a:rPr lang="en-US" smtClean="0"/>
+              <a:rPr lang="en-US"/>
               <a:t>Fifth level</a:t>
             </a:r>
             <a:endParaRPr lang="en-IN"/>
@@ -652,10 +652,9 @@
           </a:lstStyle>
           <a:p>
             <a:r>
-              <a:rPr kumimoji="0" lang="en-US" smtClean="0"/>
+              <a:rPr kumimoji="0" lang="en-US"/>
               <a:t>Click to edit Master subtitle style</a:t>
             </a:r>
-            <a:endParaRPr kumimoji="0" lang="en-US"/>
           </a:p>
         </p:txBody>
       </p:sp>
@@ -677,7 +676,7 @@
             <a:fld id="{1D8BD707-D9CF-40AE-B4C6-C98DA3205C09}" type="datetimeFigureOut">
               <a:rPr lang="en-US" smtClean="0"/>
               <a:pPr/>
-              <a:t>10/30/2017</a:t>
+              <a:t>6/16/2021</a:t>
             </a:fld>
             <a:endParaRPr lang="en-US"/>
           </a:p>
@@ -907,10 +906,9 @@
           </a:lstStyle>
           <a:p>
             <a:r>
-              <a:rPr kumimoji="0" lang="en-US" smtClean="0"/>
+              <a:rPr kumimoji="0" lang="en-US"/>
               <a:t>Click to edit Master title style</a:t>
             </a:r>
-            <a:endParaRPr kumimoji="0" lang="en-US"/>
           </a:p>
         </p:txBody>
       </p:sp>
@@ -955,10 +953,9 @@
           <a:lstStyle/>
           <a:p>
             <a:r>
-              <a:rPr kumimoji="0" lang="en-US" smtClean="0"/>
+              <a:rPr kumimoji="0" lang="en-US"/>
               <a:t>Click to edit Master title style</a:t>
             </a:r>
-            <a:endParaRPr kumimoji="0" lang="en-US"/>
           </a:p>
         </p:txBody>
       </p:sp>
@@ -979,35 +976,35 @@
           <a:p>
             <a:pPr lvl="0" eaLnBrk="1" latinLnBrk="0" hangingPunct="1"/>
             <a:r>
-              <a:rPr lang="en-US" smtClean="0"/>
+              <a:rPr lang="en-US"/>
               <a:t>Click to edit Master text styles</a:t>
             </a:r>
           </a:p>
           <a:p>
             <a:pPr lvl="1" eaLnBrk="1" latinLnBrk="0" hangingPunct="1"/>
             <a:r>
-              <a:rPr lang="en-US" smtClean="0"/>
+              <a:rPr lang="en-US"/>
               <a:t>Second level</a:t>
             </a:r>
           </a:p>
           <a:p>
             <a:pPr lvl="2" eaLnBrk="1" latinLnBrk="0" hangingPunct="1"/>
             <a:r>
-              <a:rPr lang="en-US" smtClean="0"/>
+              <a:rPr lang="en-US"/>
               <a:t>Third level</a:t>
             </a:r>
           </a:p>
           <a:p>
             <a:pPr lvl="3" eaLnBrk="1" latinLnBrk="0" hangingPunct="1"/>
             <a:r>
-              <a:rPr lang="en-US" smtClean="0"/>
+              <a:rPr lang="en-US"/>
               <a:t>Fourth level</a:t>
             </a:r>
           </a:p>
           <a:p>
             <a:pPr lvl="4" eaLnBrk="1" latinLnBrk="0" hangingPunct="1"/>
             <a:r>
-              <a:rPr lang="en-US" smtClean="0"/>
+              <a:rPr lang="en-US"/>
               <a:t>Fifth level</a:t>
             </a:r>
             <a:endParaRPr kumimoji="0" lang="en-US"/>
@@ -1032,7 +1029,7 @@
             <a:fld id="{1D8BD707-D9CF-40AE-B4C6-C98DA3205C09}" type="datetimeFigureOut">
               <a:rPr lang="en-US" smtClean="0"/>
               <a:pPr/>
-              <a:t>10/30/2017</a:t>
+              <a:t>6/16/2021</a:t>
             </a:fld>
             <a:endParaRPr lang="en-US"/>
           </a:p>
@@ -1127,10 +1124,9 @@
           <a:lstStyle/>
           <a:p>
             <a:r>
-              <a:rPr kumimoji="0" lang="en-US" smtClean="0"/>
+              <a:rPr kumimoji="0" lang="en-US"/>
               <a:t>Click to edit Master title style</a:t>
             </a:r>
-            <a:endParaRPr kumimoji="0" lang="en-US"/>
           </a:p>
         </p:txBody>
       </p:sp>
@@ -1156,35 +1152,35 @@
           <a:p>
             <a:pPr lvl="0" eaLnBrk="1" latinLnBrk="0" hangingPunct="1"/>
             <a:r>
-              <a:rPr lang="en-US" smtClean="0"/>
+              <a:rPr lang="en-US"/>
               <a:t>Click to edit Master text styles</a:t>
             </a:r>
           </a:p>
           <a:p>
             <a:pPr lvl="1" eaLnBrk="1" latinLnBrk="0" hangingPunct="1"/>
             <a:r>
-              <a:rPr lang="en-US" smtClean="0"/>
+              <a:rPr lang="en-US"/>
               <a:t>Second level</a:t>
             </a:r>
           </a:p>
           <a:p>
             <a:pPr lvl="2" eaLnBrk="1" latinLnBrk="0" hangingPunct="1"/>
             <a:r>
-              <a:rPr lang="en-US" smtClean="0"/>
+              <a:rPr lang="en-US"/>
               <a:t>Third level</a:t>
             </a:r>
           </a:p>
           <a:p>
             <a:pPr lvl="3" eaLnBrk="1" latinLnBrk="0" hangingPunct="1"/>
             <a:r>
-              <a:rPr lang="en-US" smtClean="0"/>
+              <a:rPr lang="en-US"/>
               <a:t>Fourth level</a:t>
             </a:r>
           </a:p>
           <a:p>
             <a:pPr lvl="4" eaLnBrk="1" latinLnBrk="0" hangingPunct="1"/>
             <a:r>
-              <a:rPr lang="en-US" smtClean="0"/>
+              <a:rPr lang="en-US"/>
               <a:t>Fifth level</a:t>
             </a:r>
             <a:endParaRPr kumimoji="0" lang="en-US"/>
@@ -1209,7 +1205,7 @@
             <a:fld id="{1D8BD707-D9CF-40AE-B4C6-C98DA3205C09}" type="datetimeFigureOut">
               <a:rPr lang="en-US" smtClean="0"/>
               <a:pPr/>
-              <a:t>10/30/2017</a:t>
+              <a:t>6/16/2021</a:t>
             </a:fld>
             <a:endParaRPr lang="en-US"/>
           </a:p>
@@ -1299,10 +1295,9 @@
           <a:lstStyle/>
           <a:p>
             <a:r>
-              <a:rPr kumimoji="0" lang="en-US" smtClean="0"/>
+              <a:rPr kumimoji="0" lang="en-US"/>
               <a:t>Click to edit Master title style</a:t>
             </a:r>
-            <a:endParaRPr kumimoji="0" lang="en-US"/>
           </a:p>
         </p:txBody>
       </p:sp>
@@ -1324,7 +1319,7 @@
             <a:fld id="{1D8BD707-D9CF-40AE-B4C6-C98DA3205C09}" type="datetimeFigureOut">
               <a:rPr lang="en-US" smtClean="0"/>
               <a:pPr/>
-              <a:t>10/30/2017</a:t>
+              <a:t>6/16/2021</a:t>
             </a:fld>
             <a:endParaRPr lang="en-US"/>
           </a:p>
@@ -1395,35 +1390,35 @@
           <a:p>
             <a:pPr lvl="0" eaLnBrk="1" latinLnBrk="0" hangingPunct="1"/>
             <a:r>
-              <a:rPr lang="en-US" smtClean="0"/>
+              <a:rPr lang="en-US"/>
               <a:t>Click to edit Master text styles</a:t>
             </a:r>
           </a:p>
           <a:p>
             <a:pPr lvl="1" eaLnBrk="1" latinLnBrk="0" hangingPunct="1"/>
             <a:r>
-              <a:rPr lang="en-US" smtClean="0"/>
+              <a:rPr lang="en-US"/>
               <a:t>Second level</a:t>
             </a:r>
           </a:p>
           <a:p>
             <a:pPr lvl="2" eaLnBrk="1" latinLnBrk="0" hangingPunct="1"/>
             <a:r>
-              <a:rPr lang="en-US" smtClean="0"/>
+              <a:rPr lang="en-US"/>
               <a:t>Third level</a:t>
             </a:r>
           </a:p>
           <a:p>
             <a:pPr lvl="3" eaLnBrk="1" latinLnBrk="0" hangingPunct="1"/>
             <a:r>
-              <a:rPr lang="en-US" smtClean="0"/>
+              <a:rPr lang="en-US"/>
               <a:t>Fourth level</a:t>
             </a:r>
           </a:p>
           <a:p>
             <a:pPr lvl="4" eaLnBrk="1" latinLnBrk="0" hangingPunct="1"/>
             <a:r>
-              <a:rPr lang="en-US" smtClean="0"/>
+              <a:rPr lang="en-US"/>
               <a:t>Fifth level</a:t>
             </a:r>
             <a:endParaRPr kumimoji="0" lang="en-US"/>
@@ -1580,10 +1575,9 @@
           </a:lstStyle>
           <a:p>
             <a:r>
-              <a:rPr kumimoji="0" lang="en-US" smtClean="0"/>
+              <a:rPr kumimoji="0" lang="en-US"/>
               <a:t>Click to edit Master title style</a:t>
             </a:r>
-            <a:endParaRPr kumimoji="0" lang="en-US"/>
           </a:p>
         </p:txBody>
       </p:sp>
@@ -1660,7 +1654,7 @@
           <a:p>
             <a:pPr lvl="0" eaLnBrk="1" latinLnBrk="0" hangingPunct="1"/>
             <a:r>
-              <a:rPr kumimoji="0" lang="en-US" smtClean="0"/>
+              <a:rPr kumimoji="0" lang="en-US"/>
               <a:t>Click to edit Master text styles</a:t>
             </a:r>
           </a:p>
@@ -1684,7 +1678,7 @@
             <a:fld id="{1D8BD707-D9CF-40AE-B4C6-C98DA3205C09}" type="datetimeFigureOut">
               <a:rPr lang="en-US" smtClean="0"/>
               <a:pPr/>
-              <a:t>10/30/2017</a:t>
+              <a:t>6/16/2021</a:t>
             </a:fld>
             <a:endParaRPr lang="en-US"/>
           </a:p>
@@ -1926,10 +1920,9 @@
           <a:lstStyle/>
           <a:p>
             <a:r>
-              <a:rPr kumimoji="0" lang="en-US" smtClean="0"/>
+              <a:rPr kumimoji="0" lang="en-US"/>
               <a:t>Click to edit Master title style</a:t>
             </a:r>
-            <a:endParaRPr kumimoji="0" lang="en-US"/>
           </a:p>
         </p:txBody>
       </p:sp>
@@ -1951,7 +1944,7 @@
             <a:fld id="{1D8BD707-D9CF-40AE-B4C6-C98DA3205C09}" type="datetimeFigureOut">
               <a:rPr lang="en-US" smtClean="0"/>
               <a:pPr/>
-              <a:t>10/30/2017</a:t>
+              <a:t>6/16/2021</a:t>
             </a:fld>
             <a:endParaRPr lang="en-US"/>
           </a:p>
@@ -2022,35 +2015,35 @@
           <a:p>
             <a:pPr lvl="0" eaLnBrk="1" latinLnBrk="0" hangingPunct="1"/>
             <a:r>
-              <a:rPr lang="en-US" smtClean="0"/>
+              <a:rPr lang="en-US"/>
               <a:t>Click to edit Master text styles</a:t>
             </a:r>
           </a:p>
           <a:p>
             <a:pPr lvl="1" eaLnBrk="1" latinLnBrk="0" hangingPunct="1"/>
             <a:r>
-              <a:rPr lang="en-US" smtClean="0"/>
+              <a:rPr lang="en-US"/>
               <a:t>Second level</a:t>
             </a:r>
           </a:p>
           <a:p>
             <a:pPr lvl="2" eaLnBrk="1" latinLnBrk="0" hangingPunct="1"/>
             <a:r>
-              <a:rPr lang="en-US" smtClean="0"/>
+              <a:rPr lang="en-US"/>
               <a:t>Third level</a:t>
             </a:r>
           </a:p>
           <a:p>
             <a:pPr lvl="3" eaLnBrk="1" latinLnBrk="0" hangingPunct="1"/>
             <a:r>
-              <a:rPr lang="en-US" smtClean="0"/>
+              <a:rPr lang="en-US"/>
               <a:t>Fourth level</a:t>
             </a:r>
           </a:p>
           <a:p>
             <a:pPr lvl="4" eaLnBrk="1" latinLnBrk="0" hangingPunct="1"/>
             <a:r>
-              <a:rPr lang="en-US" smtClean="0"/>
+              <a:rPr lang="en-US"/>
               <a:t>Fifth level</a:t>
             </a:r>
             <a:endParaRPr kumimoji="0" lang="en-US"/>
@@ -2079,35 +2072,35 @@
           <a:p>
             <a:pPr lvl="0" eaLnBrk="1" latinLnBrk="0" hangingPunct="1"/>
             <a:r>
-              <a:rPr lang="en-US" smtClean="0"/>
+              <a:rPr lang="en-US"/>
               <a:t>Click to edit Master text styles</a:t>
             </a:r>
           </a:p>
           <a:p>
             <a:pPr lvl="1" eaLnBrk="1" latinLnBrk="0" hangingPunct="1"/>
             <a:r>
-              <a:rPr lang="en-US" smtClean="0"/>
+              <a:rPr lang="en-US"/>
               <a:t>Second level</a:t>
             </a:r>
           </a:p>
           <a:p>
             <a:pPr lvl="2" eaLnBrk="1" latinLnBrk="0" hangingPunct="1"/>
             <a:r>
-              <a:rPr lang="en-US" smtClean="0"/>
+              <a:rPr lang="en-US"/>
               <a:t>Third level</a:t>
             </a:r>
           </a:p>
           <a:p>
             <a:pPr lvl="3" eaLnBrk="1" latinLnBrk="0" hangingPunct="1"/>
             <a:r>
-              <a:rPr lang="en-US" smtClean="0"/>
+              <a:rPr lang="en-US"/>
               <a:t>Fourth level</a:t>
             </a:r>
           </a:p>
           <a:p>
             <a:pPr lvl="4" eaLnBrk="1" latinLnBrk="0" hangingPunct="1"/>
             <a:r>
-              <a:rPr lang="en-US" smtClean="0"/>
+              <a:rPr lang="en-US"/>
               <a:t>Fifth level</a:t>
             </a:r>
             <a:endParaRPr kumimoji="0" lang="en-US"/>
@@ -2164,10 +2157,9 @@
           </a:lstStyle>
           <a:p>
             <a:r>
-              <a:rPr kumimoji="0" lang="en-US" smtClean="0"/>
+              <a:rPr kumimoji="0" lang="en-US"/>
               <a:t>Click to edit Master title style</a:t>
             </a:r>
-            <a:endParaRPr kumimoji="0" lang="en-US"/>
           </a:p>
         </p:txBody>
       </p:sp>
@@ -2228,7 +2220,7 @@
           <a:p>
             <a:pPr lvl="0" eaLnBrk="1" latinLnBrk="0" hangingPunct="1"/>
             <a:r>
-              <a:rPr kumimoji="0" lang="en-US" smtClean="0"/>
+              <a:rPr kumimoji="0" lang="en-US"/>
               <a:t>Click to edit Master text styles</a:t>
             </a:r>
           </a:p>
@@ -2291,7 +2283,7 @@
           <a:p>
             <a:pPr lvl="0" eaLnBrk="1" latinLnBrk="0" hangingPunct="1"/>
             <a:r>
-              <a:rPr kumimoji="0" lang="en-US" smtClean="0"/>
+              <a:rPr kumimoji="0" lang="en-US"/>
               <a:t>Click to edit Master text styles</a:t>
             </a:r>
           </a:p>
@@ -2315,7 +2307,7 @@
             <a:fld id="{1D8BD707-D9CF-40AE-B4C6-C98DA3205C09}" type="datetimeFigureOut">
               <a:rPr lang="en-US" smtClean="0"/>
               <a:pPr/>
-              <a:t>10/30/2017</a:t>
+              <a:t>6/16/2021</a:t>
             </a:fld>
             <a:endParaRPr lang="en-US"/>
           </a:p>
@@ -2386,35 +2378,35 @@
           <a:p>
             <a:pPr lvl="0" eaLnBrk="1" latinLnBrk="0" hangingPunct="1"/>
             <a:r>
-              <a:rPr lang="en-US" smtClean="0"/>
+              <a:rPr lang="en-US"/>
               <a:t>Click to edit Master text styles</a:t>
             </a:r>
           </a:p>
           <a:p>
             <a:pPr lvl="1" eaLnBrk="1" latinLnBrk="0" hangingPunct="1"/>
             <a:r>
-              <a:rPr lang="en-US" smtClean="0"/>
+              <a:rPr lang="en-US"/>
               <a:t>Second level</a:t>
             </a:r>
           </a:p>
           <a:p>
             <a:pPr lvl="2" eaLnBrk="1" latinLnBrk="0" hangingPunct="1"/>
             <a:r>
-              <a:rPr lang="en-US" smtClean="0"/>
+              <a:rPr lang="en-US"/>
               <a:t>Third level</a:t>
             </a:r>
           </a:p>
           <a:p>
             <a:pPr lvl="3" eaLnBrk="1" latinLnBrk="0" hangingPunct="1"/>
             <a:r>
-              <a:rPr lang="en-US" smtClean="0"/>
+              <a:rPr lang="en-US"/>
               <a:t>Fourth level</a:t>
             </a:r>
           </a:p>
           <a:p>
             <a:pPr lvl="4" eaLnBrk="1" latinLnBrk="0" hangingPunct="1"/>
             <a:r>
-              <a:rPr lang="en-US" smtClean="0"/>
+              <a:rPr lang="en-US"/>
               <a:t>Fifth level</a:t>
             </a:r>
             <a:endParaRPr kumimoji="0" lang="en-US"/>
@@ -2443,35 +2435,35 @@
           <a:p>
             <a:pPr lvl="0" eaLnBrk="1" latinLnBrk="0" hangingPunct="1"/>
             <a:r>
-              <a:rPr lang="en-US" smtClean="0"/>
+              <a:rPr lang="en-US"/>
               <a:t>Click to edit Master text styles</a:t>
             </a:r>
           </a:p>
           <a:p>
             <a:pPr lvl="1" eaLnBrk="1" latinLnBrk="0" hangingPunct="1"/>
             <a:r>
-              <a:rPr lang="en-US" smtClean="0"/>
+              <a:rPr lang="en-US"/>
               <a:t>Second level</a:t>
             </a:r>
           </a:p>
           <a:p>
             <a:pPr lvl="2" eaLnBrk="1" latinLnBrk="0" hangingPunct="1"/>
             <a:r>
-              <a:rPr lang="en-US" smtClean="0"/>
+              <a:rPr lang="en-US"/>
               <a:t>Third level</a:t>
             </a:r>
           </a:p>
           <a:p>
             <a:pPr lvl="3" eaLnBrk="1" latinLnBrk="0" hangingPunct="1"/>
             <a:r>
-              <a:rPr lang="en-US" smtClean="0"/>
+              <a:rPr lang="en-US"/>
               <a:t>Fourth level</a:t>
             </a:r>
           </a:p>
           <a:p>
             <a:pPr lvl="4" eaLnBrk="1" latinLnBrk="0" hangingPunct="1"/>
             <a:r>
-              <a:rPr lang="en-US" smtClean="0"/>
+              <a:rPr lang="en-US"/>
               <a:t>Fifth level</a:t>
             </a:r>
             <a:endParaRPr kumimoji="0" lang="en-US"/>
@@ -2519,10 +2511,9 @@
           <a:lstStyle/>
           <a:p>
             <a:r>
-              <a:rPr kumimoji="0" lang="en-US" smtClean="0"/>
+              <a:rPr kumimoji="0" lang="en-US"/>
               <a:t>Click to edit Master title style</a:t>
             </a:r>
-            <a:endParaRPr kumimoji="0" lang="en-US"/>
           </a:p>
         </p:txBody>
       </p:sp>
@@ -2544,7 +2535,7 @@
             <a:fld id="{1D8BD707-D9CF-40AE-B4C6-C98DA3205C09}" type="datetimeFigureOut">
               <a:rPr lang="en-US" smtClean="0"/>
               <a:pPr/>
-              <a:t>10/30/2017</a:t>
+              <a:t>6/16/2021</a:t>
             </a:fld>
             <a:endParaRPr lang="en-US"/>
           </a:p>
@@ -2636,7 +2627,7 @@
             <a:fld id="{1D8BD707-D9CF-40AE-B4C6-C98DA3205C09}" type="datetimeFigureOut">
               <a:rPr lang="en-US" smtClean="0"/>
               <a:pPr/>
-              <a:t>10/30/2017</a:t>
+              <a:t>6/16/2021</a:t>
             </a:fld>
             <a:endParaRPr lang="en-US"/>
           </a:p>
@@ -2831,10 +2822,9 @@
           </a:lstStyle>
           <a:p>
             <a:r>
-              <a:rPr kumimoji="0" lang="en-US" smtClean="0"/>
+              <a:rPr kumimoji="0" lang="en-US"/>
               <a:t>Click to edit Master title style</a:t>
             </a:r>
-            <a:endParaRPr kumimoji="0" lang="en-US"/>
           </a:p>
         </p:txBody>
       </p:sp>
@@ -2881,7 +2871,7 @@
           <a:p>
             <a:pPr lvl="0" eaLnBrk="1" latinLnBrk="0" hangingPunct="1"/>
             <a:r>
-              <a:rPr kumimoji="0" lang="en-US" smtClean="0"/>
+              <a:rPr kumimoji="0" lang="en-US"/>
               <a:t>Click to edit Master text styles</a:t>
             </a:r>
           </a:p>
@@ -2905,7 +2895,7 @@
             <a:fld id="{1D8BD707-D9CF-40AE-B4C6-C98DA3205C09}" type="datetimeFigureOut">
               <a:rPr lang="en-US" smtClean="0"/>
               <a:pPr/>
-              <a:t>10/30/2017</a:t>
+              <a:t>6/16/2021</a:t>
             </a:fld>
             <a:endParaRPr lang="en-US"/>
           </a:p>
@@ -2976,35 +2966,35 @@
           <a:p>
             <a:pPr lvl="0" eaLnBrk="1" latinLnBrk="0" hangingPunct="1"/>
             <a:r>
-              <a:rPr lang="en-US" smtClean="0"/>
+              <a:rPr lang="en-US"/>
               <a:t>Click to edit Master text styles</a:t>
             </a:r>
           </a:p>
           <a:p>
             <a:pPr lvl="1" eaLnBrk="1" latinLnBrk="0" hangingPunct="1"/>
             <a:r>
-              <a:rPr lang="en-US" smtClean="0"/>
+              <a:rPr lang="en-US"/>
               <a:t>Second level</a:t>
             </a:r>
           </a:p>
           <a:p>
             <a:pPr lvl="2" eaLnBrk="1" latinLnBrk="0" hangingPunct="1"/>
             <a:r>
-              <a:rPr lang="en-US" smtClean="0"/>
+              <a:rPr lang="en-US"/>
               <a:t>Third level</a:t>
             </a:r>
           </a:p>
           <a:p>
             <a:pPr lvl="3" eaLnBrk="1" latinLnBrk="0" hangingPunct="1"/>
             <a:r>
-              <a:rPr lang="en-US" smtClean="0"/>
+              <a:rPr lang="en-US"/>
               <a:t>Fourth level</a:t>
             </a:r>
           </a:p>
           <a:p>
             <a:pPr lvl="4" eaLnBrk="1" latinLnBrk="0" hangingPunct="1"/>
             <a:r>
-              <a:rPr lang="en-US" smtClean="0"/>
+              <a:rPr lang="en-US"/>
               <a:t>Fifth level</a:t>
             </a:r>
             <a:endParaRPr kumimoji="0" lang="en-US"/>
@@ -3064,10 +3054,9 @@
           </a:lstStyle>
           <a:p>
             <a:r>
-              <a:rPr kumimoji="0" lang="en-US" smtClean="0"/>
+              <a:rPr kumimoji="0" lang="en-US"/>
               <a:t>Click to edit Master title style</a:t>
             </a:r>
-            <a:endParaRPr kumimoji="0" lang="en-US"/>
           </a:p>
         </p:txBody>
       </p:sp>
@@ -3111,7 +3100,7 @@
           <a:p>
             <a:pPr lvl="0" eaLnBrk="1" latinLnBrk="0" hangingPunct="1"/>
             <a:r>
-              <a:rPr kumimoji="0" lang="en-US" smtClean="0"/>
+              <a:rPr kumimoji="0" lang="en-US"/>
               <a:t>Click to edit Master text styles</a:t>
             </a:r>
           </a:p>
@@ -3135,7 +3124,7 @@
             <a:fld id="{1D8BD707-D9CF-40AE-B4C6-C98DA3205C09}" type="datetimeFigureOut">
               <a:rPr lang="en-US" smtClean="0"/>
               <a:pPr/>
-              <a:t>10/30/2017</a:t>
+              <a:t>6/16/2021</a:t>
             </a:fld>
             <a:endParaRPr lang="en-US"/>
           </a:p>
@@ -3376,7 +3365,7 @@
           </a:lstStyle>
           <a:p>
             <a:r>
-              <a:rPr kumimoji="0" lang="en-US" smtClean="0"/>
+              <a:rPr kumimoji="0" lang="en-US"/>
               <a:t>Click icon to add picture</a:t>
             </a:r>
             <a:endParaRPr kumimoji="0" lang="en-US" dirty="0"/>
@@ -3533,10 +3522,9 @@
           <a:lstStyle/>
           <a:p>
             <a:r>
-              <a:rPr kumimoji="0" lang="en-US" smtClean="0"/>
+              <a:rPr kumimoji="0" lang="en-US"/>
               <a:t>Click to edit Master title style</a:t>
             </a:r>
-            <a:endParaRPr kumimoji="0" lang="en-US"/>
           </a:p>
         </p:txBody>
       </p:sp>
@@ -3567,38 +3555,37 @@
           <a:p>
             <a:pPr lvl="0" eaLnBrk="1" latinLnBrk="0" hangingPunct="1"/>
             <a:r>
-              <a:rPr kumimoji="0" lang="en-US" smtClean="0"/>
+              <a:rPr kumimoji="0" lang="en-US"/>
               <a:t>Click to edit Master text styles</a:t>
             </a:r>
           </a:p>
           <a:p>
             <a:pPr lvl="1" eaLnBrk="1" latinLnBrk="0" hangingPunct="1"/>
             <a:r>
-              <a:rPr kumimoji="0" lang="en-US" smtClean="0"/>
+              <a:rPr kumimoji="0" lang="en-US"/>
               <a:t>Second level</a:t>
             </a:r>
           </a:p>
           <a:p>
             <a:pPr lvl="2" eaLnBrk="1" latinLnBrk="0" hangingPunct="1"/>
             <a:r>
-              <a:rPr kumimoji="0" lang="en-US" smtClean="0"/>
+              <a:rPr kumimoji="0" lang="en-US"/>
               <a:t>Third level</a:t>
             </a:r>
           </a:p>
           <a:p>
             <a:pPr lvl="3" eaLnBrk="1" latinLnBrk="0" hangingPunct="1"/>
             <a:r>
-              <a:rPr kumimoji="0" lang="en-US" smtClean="0"/>
+              <a:rPr kumimoji="0" lang="en-US"/>
               <a:t>Fourth level</a:t>
             </a:r>
           </a:p>
           <a:p>
             <a:pPr lvl="4" eaLnBrk="1" latinLnBrk="0" hangingPunct="1"/>
             <a:r>
-              <a:rPr kumimoji="0" lang="en-US" smtClean="0"/>
+              <a:rPr kumimoji="0" lang="en-US"/>
               <a:t>Fifth level</a:t>
             </a:r>
-            <a:endParaRPr kumimoji="0" lang="en-US"/>
           </a:p>
         </p:txBody>
       </p:sp>
@@ -3636,7 +3623,7 @@
             <a:fld id="{1D8BD707-D9CF-40AE-B4C6-C98DA3205C09}" type="datetimeFigureOut">
               <a:rPr lang="en-US" smtClean="0"/>
               <a:pPr/>
-              <a:t>10/30/2017</a:t>
+              <a:t>6/16/2021</a:t>
             </a:fld>
             <a:endParaRPr lang="en-US"/>
           </a:p>
@@ -4076,10 +4063,9 @@
           <a:lstStyle/>
           <a:p>
             <a:r>
-              <a:rPr lang="en-IN" dirty="0" smtClean="0"/>
+              <a:rPr lang="en-IN" dirty="0"/>
               <a:t>Servlets Session</a:t>
             </a:r>
-            <a:endParaRPr lang="en-IN" dirty="0"/>
           </a:p>
         </p:txBody>
       </p:sp>
@@ -4093,13 +4079,6 @@
   <p:clrMapOvr>
     <a:masterClrMapping/>
   </p:clrMapOvr>
-  <p:timing>
-    <p:tnLst>
-      <p:par>
-        <p:cTn id="1" dur="indefinite" restart="never" nodeType="tmRoot"/>
-      </p:par>
-    </p:tnLst>
-  </p:timing>
 </p:sld>
 </file>
 
@@ -4144,13 +4123,8 @@
           <a:p>
             <a:r>
               <a:rPr lang="en-IN" dirty="0"/>
-              <a:t>Servlets </a:t>
-            </a:r>
-            <a:r>
-              <a:rPr lang="en-IN" dirty="0" smtClean="0"/>
-              <a:t>Cookies</a:t>
-            </a:r>
-            <a:endParaRPr lang="en-IN" dirty="0"/>
+              <a:t>Servlets Cookies</a:t>
+            </a:r>
           </a:p>
         </p:txBody>
       </p:sp>
@@ -4178,25 +4152,13 @@
           <a:p>
             <a:r>
               <a:rPr lang="en-IN" sz="2400" dirty="0"/>
-              <a:t>HTTP is a "stateless" protocol which means each time a client retrieves a Web page, the client opens a separate connection to the Web server and the server automatically does not keep any record of previous client request</a:t>
-            </a:r>
-            <a:r>
-              <a:rPr lang="en-IN" sz="2400" dirty="0" smtClean="0"/>
-              <a:t>.</a:t>
+              <a:t>HTTP is a "stateless" protocol which means each time a client retrieves a Web page, the client opens a separate connection to the Web server and the server automatically does not keep any record of previous client request.</a:t>
             </a:r>
           </a:p>
           <a:p>
             <a:r>
               <a:rPr lang="en-IN" sz="2400" dirty="0"/>
-              <a:t>S</a:t>
-            </a:r>
-            <a:r>
-              <a:rPr lang="en-IN" sz="2400" dirty="0" smtClean="0"/>
-              <a:t>ervlet </a:t>
-            </a:r>
-            <a:r>
-              <a:rPr lang="en-IN" sz="2400" dirty="0"/>
-              <a:t>provides </a:t>
+              <a:t>Servlet provides </a:t>
             </a:r>
             <a:r>
               <a:rPr lang="en-IN" sz="2400" dirty="0" err="1"/>
@@ -4204,11 +4166,7 @@
             </a:r>
             <a:r>
               <a:rPr lang="en-IN" sz="2400" dirty="0"/>
-              <a:t> Interface which provides a way to identify a user across more than one page request or visit to a Web site and to store information about that user</a:t>
-            </a:r>
-            <a:r>
-              <a:rPr lang="en-IN" sz="2400" dirty="0" smtClean="0"/>
-              <a:t>.</a:t>
+              <a:t> Interface which provides a way to identify a user across more than one page request or visit to a Web site and to store information about that user.</a:t>
             </a:r>
           </a:p>
           <a:p>
@@ -4226,13 +4184,6 @@
   <p:clrMapOvr>
     <a:masterClrMapping/>
   </p:clrMapOvr>
-  <p:timing>
-    <p:tnLst>
-      <p:par>
-        <p:cTn id="1" dur="indefinite" restart="never" nodeType="tmRoot"/>
-      </p:par>
-    </p:tnLst>
-  </p:timing>
 </p:sld>
 </file>
 
@@ -4269,10 +4220,9 @@
           <a:lstStyle/>
           <a:p>
             <a:r>
-              <a:rPr lang="en-IN" dirty="0" smtClean="0"/>
+              <a:rPr lang="en-IN" dirty="0"/>
               <a:t>Session methods</a:t>
             </a:r>
-            <a:endParaRPr lang="en-IN" dirty="0"/>
           </a:p>
         </p:txBody>
       </p:sp>
@@ -4304,7 +4254,7 @@
               <a:t>request.getSession</a:t>
             </a:r>
             <a:r>
-              <a:rPr lang="en-IN" dirty="0" smtClean="0"/>
+              <a:rPr lang="en-IN" dirty="0"/>
               <a:t>();</a:t>
             </a:r>
           </a:p>
@@ -4319,11 +4269,7 @@
             </a:r>
             <a:r>
               <a:rPr lang="en-IN" b="1" dirty="0"/>
-              <a:t>(String name</a:t>
-            </a:r>
-            <a:r>
-              <a:rPr lang="en-IN" b="1" dirty="0" smtClean="0"/>
-              <a:t>)</a:t>
+              <a:t>(String name)</a:t>
             </a:r>
           </a:p>
           <a:p>
@@ -4336,7 +4282,7 @@
               <a:t>getId</a:t>
             </a:r>
             <a:r>
-              <a:rPr lang="en-IN" b="1" dirty="0" smtClean="0"/>
+              <a:rPr lang="en-IN" b="1" dirty="0"/>
               <a:t>()</a:t>
             </a:r>
           </a:p>
@@ -4350,7 +4296,7 @@
               <a:t>getLastAccessedTime</a:t>
             </a:r>
             <a:r>
-              <a:rPr lang="en-IN" b="1" dirty="0" smtClean="0"/>
+              <a:rPr lang="en-IN" b="1" dirty="0"/>
               <a:t>()</a:t>
             </a:r>
           </a:p>
@@ -4372,18 +4318,14 @@
               <a:t>getMaxInactiveInterval</a:t>
             </a:r>
             <a:r>
-              <a:rPr lang="en-IN" b="1" dirty="0" smtClean="0"/>
+              <a:rPr lang="en-IN" b="1" dirty="0"/>
               <a:t>()</a:t>
             </a:r>
           </a:p>
           <a:p>
             <a:r>
               <a:rPr lang="en-IN" b="1" dirty="0"/>
-              <a:t>public void invalidate</a:t>
-            </a:r>
-            <a:r>
-              <a:rPr lang="en-IN" b="1" dirty="0" smtClean="0"/>
-              <a:t>()</a:t>
+              <a:t>public void invalidate()</a:t>
             </a:r>
           </a:p>
           <a:p>
@@ -4399,7 +4341,7 @@
               <a:rPr lang="en-IN" b="1" dirty="0"/>
               <a:t>(String name)</a:t>
             </a:r>
-            <a:endParaRPr lang="en-IN" dirty="0" smtClean="0"/>
+            <a:endParaRPr lang="en-IN" dirty="0"/>
           </a:p>
           <a:p>
             <a:endParaRPr lang="en-IN" dirty="0"/>
@@ -4419,13 +4361,6 @@
   <p:clrMapOvr>
     <a:masterClrMapping/>
   </p:clrMapOvr>
-  <p:timing>
-    <p:tnLst>
-      <p:par>
-        <p:cTn id="1" dur="indefinite" restart="never" nodeType="tmRoot"/>
-      </p:par>
-    </p:tnLst>
-  </p:timing>
 </p:sld>
 </file>
 
@@ -4462,10 +4397,9 @@
           <a:lstStyle/>
           <a:p>
             <a:r>
-              <a:rPr lang="en-IN" dirty="0" smtClean="0"/>
+              <a:rPr lang="en-IN" dirty="0"/>
               <a:t>Key code</a:t>
             </a:r>
-            <a:endParaRPr lang="en-IN" dirty="0"/>
           </a:p>
         </p:txBody>
       </p:sp>
@@ -4493,16 +4427,12 @@
               <a:buNone/>
             </a:pPr>
             <a:r>
-              <a:rPr lang="en-IN" dirty="0" err="1" smtClean="0"/>
+              <a:rPr lang="en-IN" dirty="0" err="1"/>
               <a:t>HttpSession</a:t>
             </a:r>
             <a:r>
-              <a:rPr lang="en-IN" dirty="0" smtClean="0"/>
-              <a:t> </a:t>
-            </a:r>
-            <a:r>
               <a:rPr lang="en-IN" dirty="0"/>
-              <a:t>session = </a:t>
+              <a:t> session = </a:t>
             </a:r>
             <a:r>
               <a:rPr lang="en-IN" dirty="0" err="1"/>
@@ -4510,11 +4440,7 @@
             </a:r>
             <a:r>
               <a:rPr lang="en-IN" dirty="0"/>
-              <a:t>(true</a:t>
-            </a:r>
-            <a:r>
-              <a:rPr lang="en-IN" dirty="0" smtClean="0"/>
-              <a:t>);</a:t>
+              <a:t>(true);</a:t>
             </a:r>
           </a:p>
           <a:p>
@@ -4522,7 +4448,7 @@
               <a:buNone/>
             </a:pPr>
             <a:r>
-              <a:rPr lang="en-IN" dirty="0" smtClean="0"/>
+              <a:rPr lang="en-IN" dirty="0"/>
               <a:t>Date </a:t>
             </a:r>
             <a:r>
@@ -4538,7 +4464,7 @@
               <a:t>session.getCreationTime</a:t>
             </a:r>
             <a:r>
-              <a:rPr lang="en-IN" dirty="0" smtClean="0"/>
+              <a:rPr lang="en-IN" dirty="0"/>
               <a:t>());</a:t>
             </a:r>
           </a:p>
@@ -4547,7 +4473,7 @@
               <a:buNone/>
             </a:pPr>
             <a:r>
-              <a:rPr lang="en-IN" dirty="0" smtClean="0"/>
+              <a:rPr lang="en-IN" dirty="0"/>
               <a:t>Date </a:t>
             </a:r>
             <a:r>
@@ -4563,7 +4489,7 @@
               <a:t>session.getLastAccessedTime</a:t>
             </a:r>
             <a:r>
-              <a:rPr lang="en-IN" dirty="0" smtClean="0"/>
+              <a:rPr lang="en-IN" dirty="0"/>
               <a:t>());</a:t>
             </a:r>
           </a:p>
@@ -4672,13 +4598,6 @@
   <p:clrMapOvr>
     <a:masterClrMapping/>
   </p:clrMapOvr>
-  <p:timing>
-    <p:tnLst>
-      <p:par>
-        <p:cTn id="1" dur="indefinite" restart="never" nodeType="tmRoot"/>
-      </p:par>
-    </p:tnLst>
-  </p:timing>
 </p:sld>
 </file>
 
@@ -4955,13 +4874,6 @@
   <p:clrMapOvr>
     <a:masterClrMapping/>
   </p:clrMapOvr>
-  <p:timing>
-    <p:tnLst>
-      <p:par>
-        <p:cTn id="1" dur="indefinite" restart="never" nodeType="tmRoot"/>
-      </p:par>
-    </p:tnLst>
-  </p:timing>
 </p:sld>
 </file>
 
@@ -5005,10 +4917,9 @@
           <a:lstStyle/>
           <a:p>
             <a:r>
-              <a:rPr lang="en-IN" dirty="0" smtClean="0"/>
+              <a:rPr lang="en-IN" dirty="0"/>
               <a:t>Key html code</a:t>
             </a:r>
-            <a:endParaRPr lang="en-IN" dirty="0"/>
           </a:p>
         </p:txBody>
       </p:sp>
@@ -5046,7 +4957,7 @@
               <a:t>tr</a:t>
             </a:r>
             <a:r>
-              <a:rPr lang="en-IN" sz="1600" dirty="0" smtClean="0"/>
+              <a:rPr lang="en-IN" sz="1600" dirty="0"/>
               <a:t>&gt;</a:t>
             </a:r>
           </a:p>
@@ -5056,19 +4967,24 @@
             </a:pPr>
             <a:r>
               <a:rPr lang="en-IN" sz="1600" dirty="0"/>
-              <a:t>	</a:t>
-            </a:r>
-            <a:r>
-              <a:rPr lang="en-IN" sz="1600" dirty="0" smtClean="0"/>
-              <a:t>&lt;</a:t>
-            </a:r>
+              <a:t>	&lt;td&gt;id&lt;/td&gt;\n" +</a:t>
+            </a:r>
+          </a:p>
+          <a:p>
+            <a:pPr marL="0" indent="0">
+              <a:buNone/>
+            </a:pPr>
             <a:r>
               <a:rPr lang="en-IN" sz="1600" dirty="0"/>
-              <a:t>td&gt;id&lt;/td</a:t>
-            </a:r>
-            <a:r>
-              <a:rPr lang="en-IN" sz="1600" dirty="0" smtClean="0"/>
-              <a:t>&gt;\n" +</a:t>
+              <a:t>	 &lt;td&gt;" + </a:t>
+            </a:r>
+            <a:r>
+              <a:rPr lang="en-IN" sz="1600" dirty="0" err="1"/>
+              <a:t>session.getId</a:t>
+            </a:r>
+            <a:r>
+              <a:rPr lang="en-IN" sz="1600" dirty="0"/>
+              <a:t>() + "&lt;/td&gt; </a:t>
             </a:r>
           </a:p>
           <a:p>
@@ -5076,16 +4992,16 @@
               <a:buNone/>
             </a:pPr>
             <a:r>
-              <a:rPr lang="en-IN" sz="1600" dirty="0" smtClean="0"/>
-              <a:t>	 &lt;td&gt;" + </a:t>
-            </a:r>
-            <a:r>
-              <a:rPr lang="en-IN" sz="1600" dirty="0" err="1" smtClean="0"/>
-              <a:t>session.getId</a:t>
-            </a:r>
-            <a:r>
-              <a:rPr lang="en-IN" sz="1600" dirty="0" smtClean="0"/>
-              <a:t>() + "&lt;/td&gt; </a:t>
+              <a:rPr lang="en-IN" sz="1600" dirty="0"/>
+              <a:t>&lt;/</a:t>
+            </a:r>
+            <a:r>
+              <a:rPr lang="en-IN" sz="1600" dirty="0" err="1"/>
+              <a:t>tr</a:t>
+            </a:r>
+            <a:r>
+              <a:rPr lang="en-IN" sz="1600" dirty="0"/>
+              <a:t>&gt;</a:t>
             </a:r>
           </a:p>
           <a:p>
@@ -5093,16 +5009,12 @@
               <a:buNone/>
             </a:pPr>
             <a:r>
-              <a:rPr lang="en-IN" sz="1600" dirty="0" smtClean="0"/>
-              <a:t>&lt;/</a:t>
-            </a:r>
-            <a:r>
-              <a:rPr lang="en-IN" sz="1600" dirty="0" err="1" smtClean="0"/>
+              <a:rPr lang="en-IN" sz="1600" dirty="0" err="1"/>
               <a:t>tr</a:t>
             </a:r>
             <a:r>
-              <a:rPr lang="en-IN" sz="1600" dirty="0" smtClean="0"/>
-              <a:t>&gt;</a:t>
+              <a:rPr lang="en-IN" sz="1600" dirty="0"/>
+              <a:t>&gt;	&lt;td&gt;Creation Time&lt;/td&gt;</a:t>
             </a:r>
           </a:p>
           <a:p>
@@ -5110,37 +5022,8 @@
               <a:buNone/>
             </a:pPr>
             <a:r>
-              <a:rPr lang="en-IN" sz="1600" dirty="0" err="1" smtClean="0"/>
-              <a:t>tr</a:t>
-            </a:r>
-            <a:r>
-              <a:rPr lang="en-IN" sz="1600" dirty="0" smtClean="0"/>
-              <a:t>&gt;	&lt;</a:t>
-            </a:r>
-            <a:r>
               <a:rPr lang="en-IN" sz="1600" dirty="0"/>
-              <a:t>td&gt;Creation Time&lt;/td</a:t>
-            </a:r>
-            <a:r>
-              <a:rPr lang="en-IN" sz="1600" dirty="0" smtClean="0"/>
-              <a:t>&gt;</a:t>
-            </a:r>
-          </a:p>
-          <a:p>
-            <a:pPr marL="0" indent="0">
-              <a:buNone/>
-            </a:pPr>
-            <a:r>
-              <a:rPr lang="en-IN" sz="1600" dirty="0"/>
-              <a:t>	</a:t>
-            </a:r>
-            <a:r>
-              <a:rPr lang="en-IN" sz="1600" dirty="0" smtClean="0"/>
-              <a:t>&lt;</a:t>
-            </a:r>
-            <a:r>
-              <a:rPr lang="en-IN" sz="1600" dirty="0"/>
-              <a:t>td&gt;" + </a:t>
+              <a:t>	&lt;td&gt;" + </a:t>
             </a:r>
             <a:r>
               <a:rPr lang="en-IN" sz="1600" dirty="0" err="1"/>
@@ -5155,7 +5038,7 @@
               <a:t>tr</a:t>
             </a:r>
             <a:r>
-              <a:rPr lang="en-IN" sz="1600" dirty="0" smtClean="0"/>
+              <a:rPr lang="en-IN" sz="1600" dirty="0"/>
               <a:t>&gt;</a:t>
             </a:r>
           </a:p>
@@ -5164,7 +5047,7 @@
               <a:buNone/>
             </a:pPr>
             <a:r>
-              <a:rPr lang="en-IN" sz="1600" dirty="0" smtClean="0"/>
+              <a:rPr lang="en-IN" sz="1600" dirty="0"/>
               <a:t>&lt;</a:t>
             </a:r>
             <a:r>
@@ -5172,22 +5055,17 @@
               <a:t>tr</a:t>
             </a:r>
             <a:r>
-              <a:rPr lang="en-IN" sz="1600" dirty="0" smtClean="0"/>
+              <a:rPr lang="en-IN" sz="1600" dirty="0"/>
               <a:t>&gt;</a:t>
             </a:r>
-            <a:endParaRPr lang="en-IN" sz="1600" dirty="0"/>
           </a:p>
           <a:p>
             <a:pPr marL="0" indent="0">
               <a:buNone/>
             </a:pPr>
             <a:r>
-              <a:rPr lang="en-IN" sz="1600" dirty="0" smtClean="0"/>
-              <a:t>	&lt;</a:t>
-            </a:r>
-            <a:r>
               <a:rPr lang="en-IN" sz="1600" dirty="0"/>
-              <a:t>td&gt;Time of Last Access&lt;/td&gt;\n" +</a:t>
+              <a:t>	&lt;td&gt;Time of Last Access&lt;/td&gt;\n" +</a:t>
             </a:r>
           </a:p>
           <a:p>
@@ -5195,12 +5073,8 @@
               <a:buNone/>
             </a:pPr>
             <a:r>
-              <a:rPr lang="en-IN" sz="1600" dirty="0" smtClean="0"/>
-              <a:t>	&lt;</a:t>
-            </a:r>
-            <a:r>
               <a:rPr lang="en-IN" sz="1600" dirty="0"/>
-              <a:t>td&gt;" + </a:t>
+              <a:t>	&lt;td&gt;" + </a:t>
             </a:r>
             <a:r>
               <a:rPr lang="en-IN" sz="1600" dirty="0" err="1"/>
@@ -5210,14 +5084,13 @@
               <a:rPr lang="en-IN" sz="1600" dirty="0"/>
               <a:t> + "  &lt;/td&gt; </a:t>
             </a:r>
-            <a:endParaRPr lang="en-IN" sz="1600" dirty="0" smtClean="0"/>
           </a:p>
           <a:p>
             <a:pPr marL="0" indent="0">
               <a:buNone/>
             </a:pPr>
             <a:r>
-              <a:rPr lang="en-IN" sz="1600" dirty="0" smtClean="0"/>
+              <a:rPr lang="en-IN" sz="1600" dirty="0"/>
               <a:t>&lt;/</a:t>
             </a:r>
             <a:r>
@@ -5225,7 +5098,7 @@
               <a:t>tr</a:t>
             </a:r>
             <a:r>
-              <a:rPr lang="en-IN" sz="1600" dirty="0" smtClean="0"/>
+              <a:rPr lang="en-IN" sz="1600" dirty="0"/>
               <a:t>&gt;                 </a:t>
             </a:r>
           </a:p>
@@ -5234,15 +5107,15 @@
               <a:buNone/>
             </a:pPr>
             <a:r>
-              <a:rPr lang="en-IN" sz="1600" dirty="0" smtClean="0"/>
+              <a:rPr lang="en-IN" sz="1600" dirty="0"/>
               <a:t>&lt;</a:t>
             </a:r>
             <a:r>
-              <a:rPr lang="en-IN" sz="1600" dirty="0" err="1" smtClean="0"/>
+              <a:rPr lang="en-IN" sz="1600" dirty="0" err="1"/>
               <a:t>tr</a:t>
             </a:r>
             <a:r>
-              <a:rPr lang="en-IN" sz="1600" dirty="0" smtClean="0"/>
+              <a:rPr lang="en-IN" sz="1600" dirty="0"/>
               <a:t>&gt;</a:t>
             </a:r>
           </a:p>
@@ -5252,36 +5125,16 @@
             </a:pPr>
             <a:r>
               <a:rPr lang="en-IN" sz="1600" dirty="0"/>
-              <a:t>	</a:t>
-            </a:r>
-            <a:r>
-              <a:rPr lang="en-IN" sz="1600" dirty="0" smtClean="0"/>
-              <a:t>&lt;</a:t>
-            </a:r>
+              <a:t>	&lt;td&gt;User ID&lt;/td&gt;</a:t>
+            </a:r>
+          </a:p>
+          <a:p>
+            <a:pPr marL="0" indent="0">
+              <a:buNone/>
+            </a:pPr>
             <a:r>
               <a:rPr lang="en-IN" sz="1600" dirty="0"/>
-              <a:t>td&gt;User ID&lt;/</a:t>
-            </a:r>
-            <a:r>
-              <a:rPr lang="en-IN" sz="1600" dirty="0" smtClean="0"/>
-              <a:t>td&gt;</a:t>
-            </a:r>
-          </a:p>
-          <a:p>
-            <a:pPr marL="0" indent="0">
-              <a:buNone/>
-            </a:pPr>
-            <a:r>
-              <a:rPr lang="en-IN" sz="1600" dirty="0"/>
-              <a:t>	</a:t>
-            </a:r>
-            <a:r>
-              <a:rPr lang="en-IN" sz="1600" dirty="0" smtClean="0"/>
-              <a:t>&lt;td</a:t>
-            </a:r>
-            <a:r>
-              <a:rPr lang="en-IN" sz="1600" dirty="0"/>
-              <a:t>&gt;" + </a:t>
+              <a:t>	&lt;td&gt;" + </a:t>
             </a:r>
             <a:r>
               <a:rPr lang="en-IN" sz="1600" dirty="0" err="1"/>
@@ -5296,7 +5149,7 @@
               <a:t>tr</a:t>
             </a:r>
             <a:r>
-              <a:rPr lang="en-IN" sz="1600" dirty="0" smtClean="0"/>
+              <a:rPr lang="en-IN" sz="1600" dirty="0"/>
               <a:t>&gt;</a:t>
             </a:r>
           </a:p>
@@ -5305,7 +5158,7 @@
               <a:buNone/>
             </a:pPr>
             <a:r>
-              <a:rPr lang="en-IN" sz="1600" dirty="0" smtClean="0"/>
+              <a:rPr lang="en-IN" sz="1600" dirty="0"/>
               <a:t>&lt;</a:t>
             </a:r>
             <a:r>
@@ -5313,7 +5166,7 @@
               <a:t>tr</a:t>
             </a:r>
             <a:r>
-              <a:rPr lang="en-IN" sz="1600" dirty="0" smtClean="0"/>
+              <a:rPr lang="en-IN" sz="1600" dirty="0"/>
               <a:t>&gt;"  </a:t>
             </a:r>
           </a:p>
@@ -5323,36 +5176,16 @@
             </a:pPr>
             <a:r>
               <a:rPr lang="en-IN" sz="1600" dirty="0"/>
-              <a:t>	</a:t>
-            </a:r>
-            <a:r>
-              <a:rPr lang="en-IN" sz="1600" dirty="0" smtClean="0"/>
-              <a:t>&lt;</a:t>
-            </a:r>
+              <a:t>	&lt;td&gt;Number of visits&lt;/td&gt;</a:t>
+            </a:r>
+          </a:p>
+          <a:p>
+            <a:pPr marL="0" indent="0">
+              <a:buNone/>
+            </a:pPr>
             <a:r>
               <a:rPr lang="en-IN" sz="1600" dirty="0"/>
-              <a:t>td&gt;Number of visits&lt;/td</a:t>
-            </a:r>
-            <a:r>
-              <a:rPr lang="en-IN" sz="1600" dirty="0" smtClean="0"/>
-              <a:t>&gt;</a:t>
-            </a:r>
-          </a:p>
-          <a:p>
-            <a:pPr marL="0" indent="0">
-              <a:buNone/>
-            </a:pPr>
-            <a:r>
-              <a:rPr lang="en-IN" sz="1600" dirty="0"/>
-              <a:t>	</a:t>
-            </a:r>
-            <a:r>
-              <a:rPr lang="en-IN" sz="1600" dirty="0" smtClean="0"/>
-              <a:t>&lt;</a:t>
-            </a:r>
-            <a:r>
-              <a:rPr lang="en-IN" sz="1600" dirty="0"/>
-              <a:t>td&gt;" + </a:t>
+              <a:t>	&lt;td&gt;" + </a:t>
             </a:r>
             <a:r>
               <a:rPr lang="en-IN" sz="1600" dirty="0" err="1"/>
@@ -5367,7 +5200,7 @@
               <a:t>tr</a:t>
             </a:r>
             <a:r>
-              <a:rPr lang="en-IN" sz="1600" dirty="0" smtClean="0"/>
+              <a:rPr lang="en-IN" sz="1600" dirty="0"/>
               <a:t>&gt;</a:t>
             </a:r>
           </a:p>
@@ -5376,12 +5209,8 @@
               <a:buNone/>
             </a:pPr>
             <a:r>
-              <a:rPr lang="en-IN" sz="1600" dirty="0" smtClean="0"/>
-              <a:t>"&lt;/</a:t>
-            </a:r>
-            <a:r>
               <a:rPr lang="en-IN" sz="1600" dirty="0"/>
-              <a:t>table&gt;\n" );</a:t>
+              <a:t>"&lt;/table&gt;\n" );</a:t>
             </a:r>
           </a:p>
         </p:txBody>
@@ -5432,10 +5261,9 @@
           <a:lstStyle/>
           <a:p>
             <a:r>
-              <a:rPr lang="en-IN" dirty="0" smtClean="0"/>
+              <a:rPr lang="en-IN" dirty="0"/>
               <a:t>output</a:t>
             </a:r>
-            <a:endParaRPr lang="en-IN" dirty="0"/>
           </a:p>
         </p:txBody>
       </p:sp>
@@ -5492,13 +5320,6 @@
   <p:clrMapOvr>
     <a:masterClrMapping/>
   </p:clrMapOvr>
-  <p:timing>
-    <p:tnLst>
-      <p:par>
-        <p:cTn id="1" dur="indefinite" restart="never" nodeType="tmRoot"/>
-      </p:par>
-    </p:tnLst>
-  </p:timing>
 </p:sld>
 </file>
 
@@ -6029,7 +5850,7 @@
   <a:extraClrSchemeLst/>
   <a:extLst>
     <a:ext uri="{05A4C25C-085E-4340-85A3-A5531E510DB2}">
-      <thm15:themeFamily xmlns:thm15="http://schemas.microsoft.com/office/thememl/2012/main" xmlns="" name="Office Theme" id="{62F939B6-93AF-4DB8-9C6B-D6C7DFDC589F}" vid="{4A3C46E8-61CC-4603-A589-7422A47A8E4A}"/>
+      <thm15:themeFamily xmlns:thm15="http://schemas.microsoft.com/office/thememl/2012/main" name="Office Theme" id="{62F939B6-93AF-4DB8-9C6B-D6C7DFDC589F}" vid="{4A3C46E8-61CC-4603-A589-7422A47A8E4A}"/>
     </a:ext>
   </a:extLst>
 </a:theme>
